--- a/Proyecto Migraciones.pptx
+++ b/Proyecto Migraciones.pptx
@@ -319,7 +319,7 @@
           <a:p>
             <a:fld id="{69F2C14A-98F6-48AF-86E8-88B9EBE67998}" type="datetimeFigureOut">
               <a:rPr lang="es-AR" smtClean="0"/>
-              <a:t>30/8/2023</a:t>
+              <a:t>31/8/2023</a:t>
             </a:fld>
             <a:endParaRPr lang="es-AR"/>
           </a:p>
@@ -755,7 +755,7 @@
           <a:p>
             <a:fld id="{69F2C14A-98F6-48AF-86E8-88B9EBE67998}" type="datetimeFigureOut">
               <a:rPr lang="es-AR" smtClean="0"/>
-              <a:t>30/8/2023</a:t>
+              <a:t>31/8/2023</a:t>
             </a:fld>
             <a:endParaRPr lang="es-AR"/>
           </a:p>
@@ -1005,7 +1005,7 @@
           <a:p>
             <a:fld id="{69F2C14A-98F6-48AF-86E8-88B9EBE67998}" type="datetimeFigureOut">
               <a:rPr lang="es-AR" smtClean="0"/>
-              <a:t>30/8/2023</a:t>
+              <a:t>31/8/2023</a:t>
             </a:fld>
             <a:endParaRPr lang="es-AR"/>
           </a:p>
@@ -1313,7 +1313,7 @@
           <a:p>
             <a:fld id="{69F2C14A-98F6-48AF-86E8-88B9EBE67998}" type="datetimeFigureOut">
               <a:rPr lang="es-AR" smtClean="0"/>
-              <a:t>30/8/2023</a:t>
+              <a:t>31/8/2023</a:t>
             </a:fld>
             <a:endParaRPr lang="es-AR"/>
           </a:p>
@@ -1631,7 +1631,7 @@
           <a:p>
             <a:fld id="{69F2C14A-98F6-48AF-86E8-88B9EBE67998}" type="datetimeFigureOut">
               <a:rPr lang="es-AR" smtClean="0"/>
-              <a:t>30/8/2023</a:t>
+              <a:t>31/8/2023</a:t>
             </a:fld>
             <a:endParaRPr lang="es-AR"/>
           </a:p>
@@ -1933,7 +1933,7 @@
           <a:p>
             <a:fld id="{69F2C14A-98F6-48AF-86E8-88B9EBE67998}" type="datetimeFigureOut">
               <a:rPr lang="es-AR" smtClean="0"/>
-              <a:t>30/8/2023</a:t>
+              <a:t>31/8/2023</a:t>
             </a:fld>
             <a:endParaRPr lang="es-AR"/>
           </a:p>
@@ -2300,7 +2300,7 @@
           <a:p>
             <a:fld id="{69F2C14A-98F6-48AF-86E8-88B9EBE67998}" type="datetimeFigureOut">
               <a:rPr lang="es-AR" smtClean="0"/>
-              <a:t>30/8/2023</a:t>
+              <a:t>31/8/2023</a:t>
             </a:fld>
             <a:endParaRPr lang="es-AR"/>
           </a:p>
@@ -2474,7 +2474,7 @@
           <a:p>
             <a:fld id="{69F2C14A-98F6-48AF-86E8-88B9EBE67998}" type="datetimeFigureOut">
               <a:rPr lang="es-AR" smtClean="0"/>
-              <a:t>30/8/2023</a:t>
+              <a:t>31/8/2023</a:t>
             </a:fld>
             <a:endParaRPr lang="es-AR"/>
           </a:p>
@@ -2654,7 +2654,7 @@
           <a:p>
             <a:fld id="{69F2C14A-98F6-48AF-86E8-88B9EBE67998}" type="datetimeFigureOut">
               <a:rPr lang="es-AR" smtClean="0"/>
-              <a:t>30/8/2023</a:t>
+              <a:t>31/8/2023</a:t>
             </a:fld>
             <a:endParaRPr lang="es-AR"/>
           </a:p>
@@ -2824,7 +2824,7 @@
           <a:p>
             <a:fld id="{69F2C14A-98F6-48AF-86E8-88B9EBE67998}" type="datetimeFigureOut">
               <a:rPr lang="es-AR" smtClean="0"/>
-              <a:t>30/8/2023</a:t>
+              <a:t>31/8/2023</a:t>
             </a:fld>
             <a:endParaRPr lang="es-AR"/>
           </a:p>
@@ -3074,7 +3074,7 @@
           <a:p>
             <a:fld id="{69F2C14A-98F6-48AF-86E8-88B9EBE67998}" type="datetimeFigureOut">
               <a:rPr lang="es-AR" smtClean="0"/>
-              <a:t>30/8/2023</a:t>
+              <a:t>31/8/2023</a:t>
             </a:fld>
             <a:endParaRPr lang="es-AR"/>
           </a:p>
@@ -3310,7 +3310,7 @@
           <a:p>
             <a:fld id="{69F2C14A-98F6-48AF-86E8-88B9EBE67998}" type="datetimeFigureOut">
               <a:rPr lang="es-AR" smtClean="0"/>
-              <a:t>30/8/2023</a:t>
+              <a:t>31/8/2023</a:t>
             </a:fld>
             <a:endParaRPr lang="es-AR"/>
           </a:p>
@@ -3692,7 +3692,7 @@
           <a:p>
             <a:fld id="{69F2C14A-98F6-48AF-86E8-88B9EBE67998}" type="datetimeFigureOut">
               <a:rPr lang="es-AR" smtClean="0"/>
-              <a:t>30/8/2023</a:t>
+              <a:t>31/8/2023</a:t>
             </a:fld>
             <a:endParaRPr lang="es-AR"/>
           </a:p>
@@ -3810,7 +3810,7 @@
           <a:p>
             <a:fld id="{69F2C14A-98F6-48AF-86E8-88B9EBE67998}" type="datetimeFigureOut">
               <a:rPr lang="es-AR" smtClean="0"/>
-              <a:t>30/8/2023</a:t>
+              <a:t>31/8/2023</a:t>
             </a:fld>
             <a:endParaRPr lang="es-AR"/>
           </a:p>
@@ -3905,7 +3905,7 @@
           <a:p>
             <a:fld id="{69F2C14A-98F6-48AF-86E8-88B9EBE67998}" type="datetimeFigureOut">
               <a:rPr lang="es-AR" smtClean="0"/>
-              <a:t>30/8/2023</a:t>
+              <a:t>31/8/2023</a:t>
             </a:fld>
             <a:endParaRPr lang="es-AR"/>
           </a:p>
@@ -4160,7 +4160,7 @@
           <a:p>
             <a:fld id="{69F2C14A-98F6-48AF-86E8-88B9EBE67998}" type="datetimeFigureOut">
               <a:rPr lang="es-AR" smtClean="0"/>
-              <a:t>30/8/2023</a:t>
+              <a:t>31/8/2023</a:t>
             </a:fld>
             <a:endParaRPr lang="es-AR"/>
           </a:p>
@@ -4443,7 +4443,7 @@
           <a:p>
             <a:fld id="{69F2C14A-98F6-48AF-86E8-88B9EBE67998}" type="datetimeFigureOut">
               <a:rPr lang="es-AR" smtClean="0"/>
-              <a:t>30/8/2023</a:t>
+              <a:t>31/8/2023</a:t>
             </a:fld>
             <a:endParaRPr lang="es-AR"/>
           </a:p>
@@ -4849,7 +4849,7 @@
           <a:p>
             <a:fld id="{69F2C14A-98F6-48AF-86E8-88B9EBE67998}" type="datetimeFigureOut">
               <a:rPr lang="es-AR" smtClean="0"/>
-              <a:t>30/8/2023</a:t>
+              <a:t>31/8/2023</a:t>
             </a:fld>
             <a:endParaRPr lang="es-AR"/>
           </a:p>
@@ -5839,7 +5839,7 @@
                   <a:schemeClr val="bg1"/>
                 </a:solidFill>
               </a:rPr>
-              <a:t>FLOJOS MIGRATORIOS:</a:t>
+              <a:t>FLUJOS MIGRATORIOS:</a:t>
             </a:r>
           </a:p>
           <a:p>
